--- a/PPT_Skirpsi.pptx
+++ b/PPT_Skirpsi.pptx
@@ -15,12 +15,12 @@
     <p:sldId id="260" r:id="rId6"/>
     <p:sldId id="263" r:id="rId7"/>
     <p:sldId id="267" r:id="rId8"/>
-    <p:sldId id="264" r:id="rId9"/>
-    <p:sldId id="265" r:id="rId10"/>
-    <p:sldId id="271" r:id="rId11"/>
-    <p:sldId id="272" r:id="rId12"/>
-    <p:sldId id="273" r:id="rId13"/>
-    <p:sldId id="270" r:id="rId14"/>
+    <p:sldId id="265" r:id="rId9"/>
+    <p:sldId id="271" r:id="rId10"/>
+    <p:sldId id="272" r:id="rId11"/>
+    <p:sldId id="273" r:id="rId12"/>
+    <p:sldId id="270" r:id="rId13"/>
+    <p:sldId id="274" r:id="rId14"/>
   </p:sldIdLst>
   <p:sldSz cx="12192000" cy="6858000"/>
   <p:notesSz cx="6858000" cy="9144000"/>
@@ -135,12 +135,12 @@
             <p14:sldId id="260"/>
             <p14:sldId id="263"/>
             <p14:sldId id="267"/>
-            <p14:sldId id="264"/>
             <p14:sldId id="265"/>
             <p14:sldId id="271"/>
             <p14:sldId id="272"/>
             <p14:sldId id="273"/>
             <p14:sldId id="270"/>
+            <p14:sldId id="274"/>
           </p14:sldIdLst>
         </p14:section>
       </p14:sectionLst>
@@ -234,7 +234,7 @@
           <a:p>
             <a:fld id="{82ACAE02-B4F7-457D-BA56-5820EB10C15F}" type="datetimeFigureOut">
               <a:rPr lang="id-ID" smtClean="0"/>
-              <a:t>24/07/2020</a:t>
+              <a:t>30/07/2020</a:t>
             </a:fld>
             <a:endParaRPr lang="id-ID"/>
           </a:p>
@@ -668,7 +668,7 @@
           <a:p>
             <a:fld id="{76B30C34-3970-4FA0-AE1B-E330C611241C}" type="datetimeFigureOut">
               <a:rPr lang="id-ID" smtClean="0"/>
-              <a:t>24/07/2020</a:t>
+              <a:t>30/07/2020</a:t>
             </a:fld>
             <a:endParaRPr lang="id-ID"/>
           </a:p>
@@ -848,7 +848,7 @@
           <a:p>
             <a:fld id="{76B30C34-3970-4FA0-AE1B-E330C611241C}" type="datetimeFigureOut">
               <a:rPr lang="id-ID" smtClean="0"/>
-              <a:t>24/07/2020</a:t>
+              <a:t>30/07/2020</a:t>
             </a:fld>
             <a:endParaRPr lang="id-ID"/>
           </a:p>
@@ -1028,7 +1028,7 @@
           <a:p>
             <a:fld id="{76B30C34-3970-4FA0-AE1B-E330C611241C}" type="datetimeFigureOut">
               <a:rPr lang="id-ID" smtClean="0"/>
-              <a:t>24/07/2020</a:t>
+              <a:t>30/07/2020</a:t>
             </a:fld>
             <a:endParaRPr lang="id-ID"/>
           </a:p>
@@ -1203,7 +1203,7 @@
           <a:p>
             <a:fld id="{76B30C34-3970-4FA0-AE1B-E330C611241C}" type="datetimeFigureOut">
               <a:rPr lang="id-ID" smtClean="0"/>
-              <a:t>24/07/2020</a:t>
+              <a:t>30/07/2020</a:t>
             </a:fld>
             <a:endParaRPr lang="id-ID"/>
           </a:p>
@@ -1461,7 +1461,7 @@
           <a:p>
             <a:fld id="{76B30C34-3970-4FA0-AE1B-E330C611241C}" type="datetimeFigureOut">
               <a:rPr lang="id-ID" smtClean="0"/>
-              <a:t>24/07/2020</a:t>
+              <a:t>30/07/2020</a:t>
             </a:fld>
             <a:endParaRPr lang="id-ID"/>
           </a:p>
@@ -1693,7 +1693,7 @@
           <a:p>
             <a:fld id="{76B30C34-3970-4FA0-AE1B-E330C611241C}" type="datetimeFigureOut">
               <a:rPr lang="id-ID" smtClean="0"/>
-              <a:t>24/07/2020</a:t>
+              <a:t>30/07/2020</a:t>
             </a:fld>
             <a:endParaRPr lang="id-ID"/>
           </a:p>
@@ -2060,7 +2060,7 @@
           <a:p>
             <a:fld id="{76B30C34-3970-4FA0-AE1B-E330C611241C}" type="datetimeFigureOut">
               <a:rPr lang="id-ID" smtClean="0"/>
-              <a:t>24/07/2020</a:t>
+              <a:t>30/07/2020</a:t>
             </a:fld>
             <a:endParaRPr lang="id-ID"/>
           </a:p>
@@ -2178,7 +2178,7 @@
           <a:p>
             <a:fld id="{76B30C34-3970-4FA0-AE1B-E330C611241C}" type="datetimeFigureOut">
               <a:rPr lang="id-ID" smtClean="0"/>
-              <a:t>24/07/2020</a:t>
+              <a:t>30/07/2020</a:t>
             </a:fld>
             <a:endParaRPr lang="id-ID"/>
           </a:p>
@@ -2273,7 +2273,7 @@
           <a:p>
             <a:fld id="{76B30C34-3970-4FA0-AE1B-E330C611241C}" type="datetimeFigureOut">
               <a:rPr lang="id-ID" smtClean="0"/>
-              <a:t>24/07/2020</a:t>
+              <a:t>30/07/2020</a:t>
             </a:fld>
             <a:endParaRPr lang="id-ID"/>
           </a:p>
@@ -2550,7 +2550,7 @@
           <a:p>
             <a:fld id="{76B30C34-3970-4FA0-AE1B-E330C611241C}" type="datetimeFigureOut">
               <a:rPr lang="id-ID" smtClean="0"/>
-              <a:t>24/07/2020</a:t>
+              <a:t>30/07/2020</a:t>
             </a:fld>
             <a:endParaRPr lang="id-ID"/>
           </a:p>
@@ -2803,7 +2803,7 @@
           <a:p>
             <a:fld id="{76B30C34-3970-4FA0-AE1B-E330C611241C}" type="datetimeFigureOut">
               <a:rPr lang="id-ID" smtClean="0"/>
-              <a:t>24/07/2020</a:t>
+              <a:t>30/07/2020</a:t>
             </a:fld>
             <a:endParaRPr lang="id-ID"/>
           </a:p>
@@ -3025,7 +3025,7 @@
           <a:p>
             <a:fld id="{76B30C34-3970-4FA0-AE1B-E330C611241C}" type="datetimeFigureOut">
               <a:rPr lang="id-ID" smtClean="0"/>
-              <a:t>24/07/2020</a:t>
+              <a:t>30/07/2020</a:t>
             </a:fld>
             <a:endParaRPr lang="id-ID"/>
           </a:p>
@@ -3700,15 +3700,18 @@
                 <a:latin typeface="Poppins" panose="00000500000000000000" pitchFamily="2" charset="0"/>
                 <a:cs typeface="Poppins" panose="00000500000000000000" pitchFamily="2" charset="0"/>
               </a:rPr>
-              <a:t>1/13</a:t>
-            </a:r>
-            <a:endParaRPr lang="id-ID" sz="2000" dirty="0">
-              <a:solidFill>
-                <a:schemeClr val="bg1"/>
-              </a:solidFill>
-              <a:latin typeface="Poppins" panose="00000500000000000000" pitchFamily="2" charset="0"/>
-              <a:cs typeface="Poppins" panose="00000500000000000000" pitchFamily="2" charset="0"/>
-            </a:endParaRPr>
+              <a:t>1/1</a:t>
+            </a:r>
+            <a:r>
+              <a:rPr lang="id-ID" sz="2000" dirty="0">
+                <a:solidFill>
+                  <a:schemeClr val="bg1"/>
+                </a:solidFill>
+                <a:latin typeface="Poppins" panose="00000500000000000000" pitchFamily="2" charset="0"/>
+                <a:cs typeface="Poppins" panose="00000500000000000000" pitchFamily="2" charset="0"/>
+              </a:rPr>
+              <a:t>2</a:t>
+            </a:r>
           </a:p>
         </p:txBody>
       </p:sp>
@@ -4008,7 +4011,12 @@
             <p:ph type="title"/>
           </p:nvPr>
         </p:nvSpPr>
-        <p:spPr/>
+        <p:spPr>
+          <a:xfrm>
+            <a:off x="0" y="2766218"/>
+            <a:ext cx="6631546" cy="1325563"/>
+          </a:xfrm>
+        </p:spPr>
         <p:txBody>
           <a:bodyPr/>
           <a:lstStyle/>
@@ -4025,7 +4033,7 @@
                 <a:latin typeface="Poppins" panose="00000500000000000000" pitchFamily="2" charset="0"/>
                 <a:cs typeface="Poppins" panose="00000500000000000000" pitchFamily="2" charset="0"/>
               </a:rPr>
-              <a:t>Use Case Diagram</a:t>
+              <a:t>Class Diagram</a:t>
             </a:r>
             <a:endParaRPr lang="en-US" i="1" dirty="0">
               <a:latin typeface="Poppins" panose="00000500000000000000" pitchFamily="2" charset="0"/>
@@ -4034,38 +4042,6 @@
           </a:p>
         </p:txBody>
       </p:sp>
-      <p:pic>
-        <p:nvPicPr>
-          <p:cNvPr id="4" name="Content Placeholder 3">
-            <a:extLst>
-              <a:ext uri="{FF2B5EF4-FFF2-40B4-BE49-F238E27FC236}">
-                <a16:creationId xmlns:a16="http://schemas.microsoft.com/office/drawing/2014/main" id="{1DE21DBB-0ABD-484C-BE94-E4C121812FBE}"/>
-              </a:ext>
-            </a:extLst>
-          </p:cNvPr>
-          <p:cNvPicPr>
-            <a:picLocks noGrp="1" noChangeAspect="1"/>
-          </p:cNvPicPr>
-          <p:nvPr>
-            <p:ph idx="1"/>
-          </p:nvPr>
-        </p:nvPicPr>
-        <p:blipFill>
-          <a:blip r:embed="rId2"/>
-          <a:stretch>
-            <a:fillRect/>
-          </a:stretch>
-        </p:blipFill>
-        <p:spPr>
-          <a:xfrm>
-            <a:off x="2466975" y="1561306"/>
-            <a:ext cx="7258050" cy="3981450"/>
-          </a:xfrm>
-          <a:prstGeom prst="rect">
-            <a:avLst/>
-          </a:prstGeom>
-        </p:spPr>
-      </p:pic>
       <p:sp>
         <p:nvSpPr>
           <p:cNvPr id="7" name="Subtitle 2">
@@ -4270,302 +4246,15 @@
                 <a:latin typeface="Poppins" panose="00000500000000000000" pitchFamily="2" charset="0"/>
                 <a:cs typeface="Poppins" panose="00000500000000000000" pitchFamily="2" charset="0"/>
               </a:rPr>
-              <a:t>/13</a:t>
-            </a:r>
-            <a:endParaRPr lang="id-ID" sz="2000" dirty="0">
-              <a:latin typeface="Poppins" panose="00000500000000000000" pitchFamily="2" charset="0"/>
-              <a:cs typeface="Poppins" panose="00000500000000000000" pitchFamily="2" charset="0"/>
-            </a:endParaRPr>
-          </a:p>
-        </p:txBody>
-      </p:sp>
-    </p:spTree>
-    <p:extLst>
-      <p:ext uri="{BB962C8B-B14F-4D97-AF65-F5344CB8AC3E}">
-        <p14:creationId xmlns:p14="http://schemas.microsoft.com/office/powerpoint/2010/main" val="3579809869"/>
-      </p:ext>
-    </p:extLst>
-  </p:cSld>
-  <p:clrMapOvr>
-    <a:masterClrMapping/>
-  </p:clrMapOvr>
-</p:sld>
-</file>
-
-<file path=ppt/slides/slide11.xml><?xml version="1.0" encoding="utf-8"?>
-<p:sld xmlns:a="http://schemas.openxmlformats.org/drawingml/2006/main" xmlns:r="http://schemas.openxmlformats.org/officeDocument/2006/relationships" xmlns:p="http://schemas.openxmlformats.org/presentationml/2006/main">
-  <p:cSld>
-    <p:spTree>
-      <p:nvGrpSpPr>
-        <p:cNvPr id="1" name=""/>
-        <p:cNvGrpSpPr/>
-        <p:nvPr/>
-      </p:nvGrpSpPr>
-      <p:grpSpPr>
-        <a:xfrm>
-          <a:off x="0" y="0"/>
-          <a:ext cx="0" cy="0"/>
-          <a:chOff x="0" y="0"/>
-          <a:chExt cx="0" cy="0"/>
-        </a:xfrm>
-      </p:grpSpPr>
-      <p:sp>
-        <p:nvSpPr>
-          <p:cNvPr id="2" name="Title 1">
-            <a:extLst>
-              <a:ext uri="{FF2B5EF4-FFF2-40B4-BE49-F238E27FC236}">
-                <a16:creationId xmlns:a16="http://schemas.microsoft.com/office/drawing/2014/main" id="{FB1556D3-AFA1-4A7F-AB84-E9B8630E66C3}"/>
-              </a:ext>
-            </a:extLst>
-          </p:cNvPr>
-          <p:cNvSpPr>
-            <a:spLocks noGrp="1"/>
-          </p:cNvSpPr>
-          <p:nvPr>
-            <p:ph type="title"/>
-          </p:nvPr>
-        </p:nvSpPr>
-        <p:spPr>
-          <a:xfrm>
-            <a:off x="0" y="2766218"/>
-            <a:ext cx="6631546" cy="1325563"/>
-          </a:xfrm>
-        </p:spPr>
-        <p:txBody>
-          <a:bodyPr/>
-          <a:lstStyle/>
-          <a:p>
-            <a:r>
-              <a:rPr lang="id-ID" dirty="0">
-                <a:latin typeface="Poppins" panose="00000500000000000000" pitchFamily="2" charset="0"/>
-                <a:cs typeface="Poppins" panose="00000500000000000000" pitchFamily="2" charset="0"/>
-              </a:rPr>
-              <a:t>Perancangan </a:t>
-            </a:r>
-            <a:r>
-              <a:rPr lang="id-ID" i="1" dirty="0">
-                <a:latin typeface="Poppins" panose="00000500000000000000" pitchFamily="2" charset="0"/>
-                <a:cs typeface="Poppins" panose="00000500000000000000" pitchFamily="2" charset="0"/>
-              </a:rPr>
-              <a:t>Class Diagram</a:t>
-            </a:r>
-            <a:endParaRPr lang="en-US" i="1" dirty="0">
-              <a:latin typeface="Poppins" panose="00000500000000000000" pitchFamily="2" charset="0"/>
-              <a:cs typeface="Poppins" panose="00000500000000000000" pitchFamily="2" charset="0"/>
-            </a:endParaRPr>
-          </a:p>
-        </p:txBody>
-      </p:sp>
-      <p:sp>
-        <p:nvSpPr>
-          <p:cNvPr id="7" name="Subtitle 2">
-            <a:extLst>
-              <a:ext uri="{FF2B5EF4-FFF2-40B4-BE49-F238E27FC236}">
-                <a16:creationId xmlns:a16="http://schemas.microsoft.com/office/drawing/2014/main" id="{B881835D-039A-43DD-9F71-3C87C5FB9BD9}"/>
-              </a:ext>
-            </a:extLst>
-          </p:cNvPr>
-          <p:cNvSpPr txBox="1">
-            <a:spLocks/>
-          </p:cNvSpPr>
-          <p:nvPr/>
-        </p:nvSpPr>
-        <p:spPr>
-          <a:xfrm>
-            <a:off x="-163761" y="6443282"/>
-            <a:ext cx="1374378" cy="461962"/>
-          </a:xfrm>
-          <a:prstGeom prst="rect">
-            <a:avLst/>
-          </a:prstGeom>
-        </p:spPr>
-        <p:txBody>
-          <a:bodyPr vert="horz" lIns="91440" tIns="45720" rIns="91440" bIns="45720" rtlCol="0">
-            <a:normAutofit/>
-          </a:bodyPr>
-          <a:lstStyle>
-            <a:lvl1pPr marL="0" indent="0" algn="ctr" defTabSz="914400" rtl="0" eaLnBrk="1" latinLnBrk="0" hangingPunct="1">
-              <a:lnSpc>
-                <a:spcPct val="90000"/>
-              </a:lnSpc>
-              <a:spcBef>
-                <a:spcPts val="1000"/>
-              </a:spcBef>
-              <a:buFont typeface="Arial" panose="020B0604020202020204" pitchFamily="34" charset="0"/>
-              <a:buNone/>
-              <a:defRPr sz="2400" kern="1200">
-                <a:solidFill>
-                  <a:schemeClr val="tx1"/>
-                </a:solidFill>
-                <a:latin typeface="+mn-lt"/>
-                <a:ea typeface="+mn-ea"/>
-                <a:cs typeface="+mn-cs"/>
-              </a:defRPr>
-            </a:lvl1pPr>
-            <a:lvl2pPr marL="457200" indent="0" algn="ctr" defTabSz="914400" rtl="0" eaLnBrk="1" latinLnBrk="0" hangingPunct="1">
-              <a:lnSpc>
-                <a:spcPct val="90000"/>
-              </a:lnSpc>
-              <a:spcBef>
-                <a:spcPts val="500"/>
-              </a:spcBef>
-              <a:buFont typeface="Arial" panose="020B0604020202020204" pitchFamily="34" charset="0"/>
-              <a:buNone/>
-              <a:defRPr sz="2000" kern="1200">
-                <a:solidFill>
-                  <a:schemeClr val="tx1"/>
-                </a:solidFill>
-                <a:latin typeface="+mn-lt"/>
-                <a:ea typeface="+mn-ea"/>
-                <a:cs typeface="+mn-cs"/>
-              </a:defRPr>
-            </a:lvl2pPr>
-            <a:lvl3pPr marL="914400" indent="0" algn="ctr" defTabSz="914400" rtl="0" eaLnBrk="1" latinLnBrk="0" hangingPunct="1">
-              <a:lnSpc>
-                <a:spcPct val="90000"/>
-              </a:lnSpc>
-              <a:spcBef>
-                <a:spcPts val="500"/>
-              </a:spcBef>
-              <a:buFont typeface="Arial" panose="020B0604020202020204" pitchFamily="34" charset="0"/>
-              <a:buNone/>
-              <a:defRPr sz="1800" kern="1200">
-                <a:solidFill>
-                  <a:schemeClr val="tx1"/>
-                </a:solidFill>
-                <a:latin typeface="+mn-lt"/>
-                <a:ea typeface="+mn-ea"/>
-                <a:cs typeface="+mn-cs"/>
-              </a:defRPr>
-            </a:lvl3pPr>
-            <a:lvl4pPr marL="1371600" indent="0" algn="ctr" defTabSz="914400" rtl="0" eaLnBrk="1" latinLnBrk="0" hangingPunct="1">
-              <a:lnSpc>
-                <a:spcPct val="90000"/>
-              </a:lnSpc>
-              <a:spcBef>
-                <a:spcPts val="500"/>
-              </a:spcBef>
-              <a:buFont typeface="Arial" panose="020B0604020202020204" pitchFamily="34" charset="0"/>
-              <a:buNone/>
-              <a:defRPr sz="1600" kern="1200">
-                <a:solidFill>
-                  <a:schemeClr val="tx1"/>
-                </a:solidFill>
-                <a:latin typeface="+mn-lt"/>
-                <a:ea typeface="+mn-ea"/>
-                <a:cs typeface="+mn-cs"/>
-              </a:defRPr>
-            </a:lvl4pPr>
-            <a:lvl5pPr marL="1828800" indent="0" algn="ctr" defTabSz="914400" rtl="0" eaLnBrk="1" latinLnBrk="0" hangingPunct="1">
-              <a:lnSpc>
-                <a:spcPct val="90000"/>
-              </a:lnSpc>
-              <a:spcBef>
-                <a:spcPts val="500"/>
-              </a:spcBef>
-              <a:buFont typeface="Arial" panose="020B0604020202020204" pitchFamily="34" charset="0"/>
-              <a:buNone/>
-              <a:defRPr sz="1600" kern="1200">
-                <a:solidFill>
-                  <a:schemeClr val="tx1"/>
-                </a:solidFill>
-                <a:latin typeface="+mn-lt"/>
-                <a:ea typeface="+mn-ea"/>
-                <a:cs typeface="+mn-cs"/>
-              </a:defRPr>
-            </a:lvl5pPr>
-            <a:lvl6pPr marL="2286000" indent="0" algn="ctr" defTabSz="914400" rtl="0" eaLnBrk="1" latinLnBrk="0" hangingPunct="1">
-              <a:lnSpc>
-                <a:spcPct val="90000"/>
-              </a:lnSpc>
-              <a:spcBef>
-                <a:spcPts val="500"/>
-              </a:spcBef>
-              <a:buFont typeface="Arial" panose="020B0604020202020204" pitchFamily="34" charset="0"/>
-              <a:buNone/>
-              <a:defRPr sz="1600" kern="1200">
-                <a:solidFill>
-                  <a:schemeClr val="tx1"/>
-                </a:solidFill>
-                <a:latin typeface="+mn-lt"/>
-                <a:ea typeface="+mn-ea"/>
-                <a:cs typeface="+mn-cs"/>
-              </a:defRPr>
-            </a:lvl6pPr>
-            <a:lvl7pPr marL="2743200" indent="0" algn="ctr" defTabSz="914400" rtl="0" eaLnBrk="1" latinLnBrk="0" hangingPunct="1">
-              <a:lnSpc>
-                <a:spcPct val="90000"/>
-              </a:lnSpc>
-              <a:spcBef>
-                <a:spcPts val="500"/>
-              </a:spcBef>
-              <a:buFont typeface="Arial" panose="020B0604020202020204" pitchFamily="34" charset="0"/>
-              <a:buNone/>
-              <a:defRPr sz="1600" kern="1200">
-                <a:solidFill>
-                  <a:schemeClr val="tx1"/>
-                </a:solidFill>
-                <a:latin typeface="+mn-lt"/>
-                <a:ea typeface="+mn-ea"/>
-                <a:cs typeface="+mn-cs"/>
-              </a:defRPr>
-            </a:lvl7pPr>
-            <a:lvl8pPr marL="3200400" indent="0" algn="ctr" defTabSz="914400" rtl="0" eaLnBrk="1" latinLnBrk="0" hangingPunct="1">
-              <a:lnSpc>
-                <a:spcPct val="90000"/>
-              </a:lnSpc>
-              <a:spcBef>
-                <a:spcPts val="500"/>
-              </a:spcBef>
-              <a:buFont typeface="Arial" panose="020B0604020202020204" pitchFamily="34" charset="0"/>
-              <a:buNone/>
-              <a:defRPr sz="1600" kern="1200">
-                <a:solidFill>
-                  <a:schemeClr val="tx1"/>
-                </a:solidFill>
-                <a:latin typeface="+mn-lt"/>
-                <a:ea typeface="+mn-ea"/>
-                <a:cs typeface="+mn-cs"/>
-              </a:defRPr>
-            </a:lvl8pPr>
-            <a:lvl9pPr marL="3657600" indent="0" algn="ctr" defTabSz="914400" rtl="0" eaLnBrk="1" latinLnBrk="0" hangingPunct="1">
-              <a:lnSpc>
-                <a:spcPct val="90000"/>
-              </a:lnSpc>
-              <a:spcBef>
-                <a:spcPts val="500"/>
-              </a:spcBef>
-              <a:buFont typeface="Arial" panose="020B0604020202020204" pitchFamily="34" charset="0"/>
-              <a:buNone/>
-              <a:defRPr sz="1600" kern="1200">
-                <a:solidFill>
-                  <a:schemeClr val="tx1"/>
-                </a:solidFill>
-                <a:latin typeface="+mn-lt"/>
-                <a:ea typeface="+mn-ea"/>
-                <a:cs typeface="+mn-cs"/>
-              </a:defRPr>
-            </a:lvl9pPr>
-          </a:lstStyle>
-          <a:p>
+              <a:t>/1</a:t>
+            </a:r>
             <a:r>
               <a:rPr lang="id-ID" sz="2000" dirty="0">
                 <a:latin typeface="Poppins" panose="00000500000000000000" pitchFamily="2" charset="0"/>
                 <a:cs typeface="Poppins" panose="00000500000000000000" pitchFamily="2" charset="0"/>
               </a:rPr>
-              <a:t>11</a:t>
-            </a:r>
-            <a:r>
-              <a:rPr lang="en-US" sz="2000" dirty="0">
-                <a:latin typeface="Poppins" panose="00000500000000000000" pitchFamily="2" charset="0"/>
-                <a:cs typeface="Poppins" panose="00000500000000000000" pitchFamily="2" charset="0"/>
-              </a:rPr>
-              <a:t>/13</a:t>
-            </a:r>
-            <a:endParaRPr lang="id-ID" sz="2000" dirty="0">
-              <a:latin typeface="Poppins" panose="00000500000000000000" pitchFamily="2" charset="0"/>
-              <a:cs typeface="Poppins" panose="00000500000000000000" pitchFamily="2" charset="0"/>
-            </a:endParaRPr>
+              <a:t>2</a:t>
+            </a:r>
           </a:p>
         </p:txBody>
       </p:sp>
@@ -4614,7 +4303,7 @@
 </p:sld>
 </file>
 
-<file path=ppt/slides/slide12.xml><?xml version="1.0" encoding="utf-8"?>
+<file path=ppt/slides/slide11.xml><?xml version="1.0" encoding="utf-8"?>
 <p:sld xmlns:a="http://schemas.openxmlformats.org/drawingml/2006/main" xmlns:r="http://schemas.openxmlformats.org/officeDocument/2006/relationships" xmlns:p="http://schemas.openxmlformats.org/presentationml/2006/main">
   <p:cSld>
     <p:spTree>
@@ -4957,19 +4646,22 @@
                 <a:latin typeface="Poppins" panose="00000500000000000000" pitchFamily="2" charset="0"/>
                 <a:cs typeface="Poppins" panose="00000500000000000000" pitchFamily="2" charset="0"/>
               </a:rPr>
-              <a:t>12</a:t>
+              <a:t>11</a:t>
             </a:r>
             <a:r>
               <a:rPr lang="en-US" sz="2000" dirty="0">
                 <a:latin typeface="Poppins" panose="00000500000000000000" pitchFamily="2" charset="0"/>
                 <a:cs typeface="Poppins" panose="00000500000000000000" pitchFamily="2" charset="0"/>
               </a:rPr>
-              <a:t>/13</a:t>
-            </a:r>
-            <a:endParaRPr lang="id-ID" sz="2000" dirty="0">
-              <a:latin typeface="Poppins" panose="00000500000000000000" pitchFamily="2" charset="0"/>
-              <a:cs typeface="Poppins" panose="00000500000000000000" pitchFamily="2" charset="0"/>
-            </a:endParaRPr>
+              <a:t>/1</a:t>
+            </a:r>
+            <a:r>
+              <a:rPr lang="id-ID" sz="2000" dirty="0">
+                <a:latin typeface="Poppins" panose="00000500000000000000" pitchFamily="2" charset="0"/>
+                <a:cs typeface="Poppins" panose="00000500000000000000" pitchFamily="2" charset="0"/>
+              </a:rPr>
+              <a:t>2</a:t>
+            </a:r>
           </a:p>
         </p:txBody>
       </p:sp>
@@ -4986,7 +4678,7 @@
 </p:sld>
 </file>
 
-<file path=ppt/slides/slide13.xml><?xml version="1.0" encoding="utf-8"?>
+<file path=ppt/slides/slide12.xml><?xml version="1.0" encoding="utf-8"?>
 <p:sld xmlns:a="http://schemas.openxmlformats.org/drawingml/2006/main" xmlns:r="http://schemas.openxmlformats.org/officeDocument/2006/relationships" xmlns:p="http://schemas.openxmlformats.org/presentationml/2006/main">
   <p:cSld>
     <p:spTree>
@@ -5131,7 +4823,7 @@
                   </a:outerShdw>
                 </a:effectLst>
               </a:rPr>
-              <a:t>24/07/2020</a:t>
+              <a:t>30/07/2020</a:t>
             </a:fld>
             <a:endParaRPr lang="id-ID" dirty="0"/>
           </a:p>
@@ -5373,6 +5065,186 @@
 </p:sld>
 </file>
 
+<file path=ppt/slides/slide13.xml><?xml version="1.0" encoding="utf-8"?>
+<p:sld xmlns:a="http://schemas.openxmlformats.org/drawingml/2006/main" xmlns:r="http://schemas.openxmlformats.org/officeDocument/2006/relationships" xmlns:p="http://schemas.openxmlformats.org/presentationml/2006/main">
+  <p:cSld>
+    <p:spTree>
+      <p:nvGrpSpPr>
+        <p:cNvPr id="1" name=""/>
+        <p:cNvGrpSpPr/>
+        <p:nvPr/>
+      </p:nvGrpSpPr>
+      <p:grpSpPr>
+        <a:xfrm>
+          <a:off x="0" y="0"/>
+          <a:ext cx="0" cy="0"/>
+          <a:chOff x="0" y="0"/>
+          <a:chExt cx="0" cy="0"/>
+        </a:xfrm>
+      </p:grpSpPr>
+      <p:sp>
+        <p:nvSpPr>
+          <p:cNvPr id="2" name="Title 1">
+            <a:extLst>
+              <a:ext uri="{FF2B5EF4-FFF2-40B4-BE49-F238E27FC236}">
+                <a16:creationId xmlns:a16="http://schemas.microsoft.com/office/drawing/2014/main" id="{B7264DA7-030B-472C-9421-5891A206E3FC}"/>
+              </a:ext>
+            </a:extLst>
+          </p:cNvPr>
+          <p:cNvSpPr>
+            <a:spLocks noGrp="1"/>
+          </p:cNvSpPr>
+          <p:nvPr>
+            <p:ph type="title"/>
+          </p:nvPr>
+        </p:nvSpPr>
+        <p:spPr/>
+        <p:txBody>
+          <a:bodyPr/>
+          <a:lstStyle/>
+          <a:p>
+            <a:r>
+              <a:rPr lang="id-ID" b="1" dirty="0"/>
+              <a:t>project.getidea.id/cpns</a:t>
+            </a:r>
+          </a:p>
+        </p:txBody>
+      </p:sp>
+      <p:sp>
+        <p:nvSpPr>
+          <p:cNvPr id="3" name="Content Placeholder 2">
+            <a:extLst>
+              <a:ext uri="{FF2B5EF4-FFF2-40B4-BE49-F238E27FC236}">
+                <a16:creationId xmlns:a16="http://schemas.microsoft.com/office/drawing/2014/main" id="{38E914DD-728F-4BB3-B659-E4D11F4875C1}"/>
+              </a:ext>
+            </a:extLst>
+          </p:cNvPr>
+          <p:cNvSpPr>
+            <a:spLocks noGrp="1"/>
+          </p:cNvSpPr>
+          <p:nvPr>
+            <p:ph idx="1"/>
+          </p:nvPr>
+        </p:nvSpPr>
+        <p:spPr>
+          <a:xfrm>
+            <a:off x="838200" y="1571223"/>
+            <a:ext cx="10515600" cy="4605740"/>
+          </a:xfrm>
+        </p:spPr>
+        <p:txBody>
+          <a:bodyPr>
+            <a:normAutofit/>
+          </a:bodyPr>
+          <a:lstStyle/>
+          <a:p>
+            <a:r>
+              <a:rPr lang="id-ID" dirty="0"/>
+              <a:t>Akun admin</a:t>
+            </a:r>
+          </a:p>
+          <a:p>
+            <a:pPr marL="0" indent="0">
+              <a:buNone/>
+            </a:pPr>
+            <a:r>
+              <a:rPr lang="id-ID" dirty="0"/>
+              <a:t>Email : </a:t>
+            </a:r>
+            <a:r>
+              <a:rPr lang="id-ID" dirty="0">
+                <a:hlinkClick r:id="rId2"/>
+              </a:rPr>
+              <a:t>1606020@sttgarut.ac.id</a:t>
+            </a:r>
+            <a:endParaRPr lang="id-ID" dirty="0"/>
+          </a:p>
+          <a:p>
+            <a:pPr marL="0" indent="0">
+              <a:buNone/>
+            </a:pPr>
+            <a:r>
+              <a:rPr lang="id-ID" dirty="0"/>
+              <a:t>Password : password</a:t>
+            </a:r>
+          </a:p>
+          <a:p>
+            <a:pPr marL="0" indent="0">
+              <a:buNone/>
+            </a:pPr>
+            <a:endParaRPr lang="id-ID" dirty="0"/>
+          </a:p>
+          <a:p>
+            <a:r>
+              <a:rPr lang="id-ID" dirty="0"/>
+              <a:t>Akun user</a:t>
+            </a:r>
+          </a:p>
+          <a:p>
+            <a:pPr marL="0" indent="0">
+              <a:buNone/>
+            </a:pPr>
+            <a:r>
+              <a:rPr lang="id-ID" dirty="0"/>
+              <a:t>Email : </a:t>
+            </a:r>
+            <a:r>
+              <a:rPr lang="id-ID" dirty="0">
+                <a:hlinkClick r:id="rId3"/>
+              </a:rPr>
+              <a:t>rifan.alamsyah02@gmail.com</a:t>
+            </a:r>
+            <a:endParaRPr lang="id-ID" dirty="0"/>
+          </a:p>
+          <a:p>
+            <a:pPr marL="0" indent="0">
+              <a:buNone/>
+            </a:pPr>
+            <a:r>
+              <a:rPr lang="id-ID" dirty="0"/>
+              <a:t>Password : password</a:t>
+            </a:r>
+          </a:p>
+          <a:p>
+            <a:pPr marL="0" indent="0">
+              <a:buNone/>
+            </a:pPr>
+            <a:r>
+              <a:rPr lang="id-ID" dirty="0"/>
+              <a:t>Email : </a:t>
+            </a:r>
+            <a:r>
+              <a:rPr lang="id-ID" dirty="0">
+                <a:hlinkClick r:id="rId3"/>
+              </a:rPr>
+              <a:t>rifan.alamsyah03@gmail.com</a:t>
+            </a:r>
+            <a:endParaRPr lang="id-ID" dirty="0"/>
+          </a:p>
+          <a:p>
+            <a:pPr marL="0" indent="0">
+              <a:buNone/>
+            </a:pPr>
+            <a:r>
+              <a:rPr lang="id-ID" dirty="0"/>
+              <a:t>Password : password</a:t>
+            </a:r>
+          </a:p>
+        </p:txBody>
+      </p:sp>
+    </p:spTree>
+    <p:extLst>
+      <p:ext uri="{BB962C8B-B14F-4D97-AF65-F5344CB8AC3E}">
+        <p14:creationId xmlns:p14="http://schemas.microsoft.com/office/powerpoint/2010/main" val="3449014235"/>
+      </p:ext>
+    </p:extLst>
+  </p:cSld>
+  <p:clrMapOvr>
+    <a:masterClrMapping/>
+  </p:clrMapOvr>
+</p:sld>
+</file>
+
 <file path=ppt/slides/slide2.xml><?xml version="1.0" encoding="utf-8"?>
 <p:sld xmlns:a="http://schemas.openxmlformats.org/drawingml/2006/main" xmlns:r="http://schemas.openxmlformats.org/officeDocument/2006/relationships" xmlns:p="http://schemas.openxmlformats.org/presentationml/2006/main">
   <p:cSld>
@@ -5570,11 +5442,11 @@
             </a:r>
             <a:r>
               <a:rPr lang="en-US" sz="2400" dirty="0"/>
-              <a:t>. Try out </a:t>
+              <a:t>. Tryout </a:t>
             </a:r>
             <a:r>
               <a:rPr lang="en-US" sz="2400" dirty="0" err="1"/>
-              <a:t>menjadi</a:t>
+              <a:t>adalah</a:t>
             </a:r>
             <a:r>
               <a:rPr lang="en-US" sz="2400" dirty="0"/>
@@ -5582,7 +5454,15 @@
             </a:r>
             <a:r>
               <a:rPr lang="en-US" sz="2400" dirty="0" err="1"/>
-              <a:t>hal</a:t>
+              <a:t>suatu</a:t>
+            </a:r>
+            <a:r>
+              <a:rPr lang="en-US" sz="2400" dirty="0"/>
+              <a:t> </a:t>
+            </a:r>
+            <a:r>
+              <a:rPr lang="en-US" sz="2400" dirty="0" err="1"/>
+              <a:t>mekanisme</a:t>
             </a:r>
             <a:r>
               <a:rPr lang="en-US" sz="2400" dirty="0"/>
@@ -5590,7 +5470,7 @@
             </a:r>
             <a:r>
               <a:rPr lang="en-US" sz="2400" dirty="0" err="1"/>
-              <a:t>penting</a:t>
+              <a:t>digunakan</a:t>
             </a:r>
             <a:r>
               <a:rPr lang="en-US" sz="2400" dirty="0"/>
@@ -5598,14 +5478,6 @@
             </a:r>
             <a:r>
               <a:rPr lang="en-US" sz="2400" dirty="0" err="1"/>
-              <a:t>bagi</a:t>
-            </a:r>
-            <a:r>
-              <a:rPr lang="en-US" sz="2400" dirty="0"/>
-              <a:t> CPNS </a:t>
-            </a:r>
-            <a:r>
-              <a:rPr lang="en-US" sz="2400" dirty="0" err="1"/>
               <a:t>sebagai</a:t>
             </a:r>
             <a:r>
@@ -5614,7 +5486,7 @@
             </a:r>
             <a:r>
               <a:rPr lang="en-US" sz="2400" dirty="0" err="1"/>
-              <a:t>sarana</a:t>
+              <a:t>sebuah</a:t>
             </a:r>
             <a:r>
               <a:rPr lang="en-US" sz="2400" dirty="0"/>
@@ -5622,7 +5494,7 @@
             </a:r>
             <a:r>
               <a:rPr lang="en-US" sz="2400" dirty="0" err="1"/>
-              <a:t>berlatih</a:t>
+              <a:t>latihan</a:t>
             </a:r>
             <a:r>
               <a:rPr lang="en-US" sz="2400" dirty="0"/>
@@ -5630,15 +5502,7 @@
             </a:r>
             <a:r>
               <a:rPr lang="en-US" sz="2400" dirty="0" err="1"/>
-              <a:t>soal</a:t>
-            </a:r>
-            <a:r>
-              <a:rPr lang="en-US" sz="2400" dirty="0"/>
-              <a:t> CPNS, oleh </a:t>
-            </a:r>
-            <a:r>
-              <a:rPr lang="en-US" sz="2400" dirty="0" err="1"/>
-              <a:t>karena</a:t>
+              <a:t>bagi</a:t>
             </a:r>
             <a:r>
               <a:rPr lang="en-US" sz="2400" dirty="0"/>
@@ -5646,7 +5510,7 @@
             </a:r>
             <a:r>
               <a:rPr lang="en-US" sz="2400" dirty="0" err="1"/>
-              <a:t>itu</a:t>
+              <a:t>siswa</a:t>
             </a:r>
             <a:r>
               <a:rPr lang="en-US" sz="2400" dirty="0"/>
@@ -5654,7 +5518,7 @@
             </a:r>
             <a:r>
               <a:rPr lang="en-US" sz="2400" dirty="0" err="1"/>
-              <a:t>akan</a:t>
+              <a:t>sebelum</a:t>
             </a:r>
             <a:r>
               <a:rPr lang="en-US" sz="2400" dirty="0"/>
@@ -5662,7 +5526,7 @@
             </a:r>
             <a:r>
               <a:rPr lang="en-US" sz="2400" dirty="0" err="1"/>
-              <a:t>dibuat</a:t>
+              <a:t>melaksanakan</a:t>
             </a:r>
             <a:r>
               <a:rPr lang="en-US" sz="2400" dirty="0"/>
@@ -5670,71 +5534,35 @@
             </a:r>
             <a:r>
               <a:rPr lang="en-US" sz="2400" dirty="0" err="1"/>
-              <a:t>rancang</a:t>
+              <a:t>ujian</a:t>
             </a:r>
             <a:r>
               <a:rPr lang="en-US" sz="2400" dirty="0"/>
-              <a:t> </a:t>
+              <a:t> yang </a:t>
             </a:r>
             <a:r>
               <a:rPr lang="en-US" sz="2400" dirty="0" err="1"/>
-              <a:t>bangun</a:t>
+              <a:t>sesungguhnya</a:t>
             </a:r>
             <a:r>
               <a:rPr lang="en-US" sz="2400" dirty="0"/>
-              <a:t> </a:t>
+              <a:t> (</a:t>
             </a:r>
             <a:r>
               <a:rPr lang="en-US" sz="2400" dirty="0" err="1"/>
-              <a:t>sistem</a:t>
+              <a:t>Aisah</a:t>
             </a:r>
             <a:r>
               <a:rPr lang="en-US" sz="2400" dirty="0"/>
-              <a:t> </a:t>
+              <a:t> &amp; </a:t>
             </a:r>
             <a:r>
               <a:rPr lang="en-US" sz="2400" dirty="0" err="1"/>
-              <a:t>informasi</a:t>
+              <a:t>Haryati</a:t>
             </a:r>
             <a:r>
               <a:rPr lang="en-US" sz="2400" dirty="0"/>
-              <a:t> try out </a:t>
-            </a:r>
-            <a:r>
-              <a:rPr lang="en-US" sz="2400" dirty="0" err="1"/>
-              <a:t>berbasis</a:t>
-            </a:r>
-            <a:r>
-              <a:rPr lang="en-US" sz="2400" dirty="0"/>
-              <a:t> web yang </a:t>
-            </a:r>
-            <a:r>
-              <a:rPr lang="en-US" sz="2400" dirty="0" err="1"/>
-              <a:t>memiliki</a:t>
-            </a:r>
-            <a:r>
-              <a:rPr lang="en-US" sz="2400" dirty="0"/>
-              <a:t> </a:t>
-            </a:r>
-            <a:r>
-              <a:rPr lang="en-US" sz="2400" dirty="0" err="1"/>
-              <a:t>sistem</a:t>
-            </a:r>
-            <a:r>
-              <a:rPr lang="en-US" sz="2400" dirty="0"/>
-              <a:t> Computer Assisted Test yang </a:t>
-            </a:r>
-            <a:r>
-              <a:rPr lang="en-US" sz="2400" dirty="0" err="1"/>
-              <a:t>digunakan</a:t>
-            </a:r>
-            <a:r>
-              <a:rPr lang="en-US" sz="2400" dirty="0"/>
-              <a:t> pada test CPNS.</a:t>
-            </a:r>
-            <a:r>
-              <a:rPr lang="id-ID" sz="2400" dirty="0"/>
-              <a:t> </a:t>
+              <a:t>, 2019)</a:t>
             </a:r>
             <a:endParaRPr lang="en-US" sz="1600" dirty="0">
               <a:effectLst/>
@@ -5942,12 +5770,15 @@
                 <a:latin typeface="Poppins" panose="00000500000000000000" pitchFamily="2" charset="0"/>
                 <a:cs typeface="Poppins" panose="00000500000000000000" pitchFamily="2" charset="0"/>
               </a:rPr>
-              <a:t>2/13</a:t>
-            </a:r>
-            <a:endParaRPr lang="id-ID" sz="2000" dirty="0">
-              <a:latin typeface="Poppins" panose="00000500000000000000" pitchFamily="2" charset="0"/>
-              <a:cs typeface="Poppins" panose="00000500000000000000" pitchFamily="2" charset="0"/>
-            </a:endParaRPr>
+              <a:t>2/1</a:t>
+            </a:r>
+            <a:r>
+              <a:rPr lang="id-ID" sz="2000" dirty="0">
+                <a:latin typeface="Poppins" panose="00000500000000000000" pitchFamily="2" charset="0"/>
+                <a:cs typeface="Poppins" panose="00000500000000000000" pitchFamily="2" charset="0"/>
+              </a:rPr>
+              <a:t>2</a:t>
+            </a:r>
           </a:p>
         </p:txBody>
       </p:sp>
@@ -6325,12 +6156,15 @@
                 <a:latin typeface="Poppins" panose="00000500000000000000" pitchFamily="2" charset="0"/>
                 <a:cs typeface="Poppins" panose="00000500000000000000" pitchFamily="2" charset="0"/>
               </a:rPr>
-              <a:t>3/13</a:t>
-            </a:r>
-            <a:endParaRPr lang="id-ID" sz="2000" dirty="0">
-              <a:latin typeface="Poppins" panose="00000500000000000000" pitchFamily="2" charset="0"/>
-              <a:cs typeface="Poppins" panose="00000500000000000000" pitchFamily="2" charset="0"/>
-            </a:endParaRPr>
+              <a:t>3/1</a:t>
+            </a:r>
+            <a:r>
+              <a:rPr lang="id-ID" sz="2000" dirty="0">
+                <a:latin typeface="Poppins" panose="00000500000000000000" pitchFamily="2" charset="0"/>
+                <a:cs typeface="Poppins" panose="00000500000000000000" pitchFamily="2" charset="0"/>
+              </a:rPr>
+              <a:t>2</a:t>
+            </a:r>
           </a:p>
         </p:txBody>
       </p:sp>
@@ -6690,12 +6524,15 @@
                 <a:latin typeface="Poppins" panose="00000500000000000000" pitchFamily="2" charset="0"/>
                 <a:cs typeface="Poppins" panose="00000500000000000000" pitchFamily="2" charset="0"/>
               </a:rPr>
-              <a:t>4/13</a:t>
-            </a:r>
-            <a:endParaRPr lang="id-ID" sz="2000" dirty="0">
-              <a:latin typeface="Poppins" panose="00000500000000000000" pitchFamily="2" charset="0"/>
-              <a:cs typeface="Poppins" panose="00000500000000000000" pitchFamily="2" charset="0"/>
-            </a:endParaRPr>
+              <a:t>4/1</a:t>
+            </a:r>
+            <a:r>
+              <a:rPr lang="id-ID" sz="2000" dirty="0">
+                <a:latin typeface="Poppins" panose="00000500000000000000" pitchFamily="2" charset="0"/>
+                <a:cs typeface="Poppins" panose="00000500000000000000" pitchFamily="2" charset="0"/>
+              </a:rPr>
+              <a:t>2</a:t>
+            </a:r>
           </a:p>
         </p:txBody>
       </p:sp>
@@ -7511,12 +7348,15 @@
                 <a:latin typeface="Poppins" panose="00000500000000000000" pitchFamily="2" charset="0"/>
                 <a:cs typeface="Poppins" panose="00000500000000000000" pitchFamily="2" charset="0"/>
               </a:rPr>
-              <a:t>5/13</a:t>
-            </a:r>
-            <a:endParaRPr lang="id-ID" sz="2000" dirty="0">
-              <a:latin typeface="Poppins" panose="00000500000000000000" pitchFamily="2" charset="0"/>
-              <a:cs typeface="Poppins" panose="00000500000000000000" pitchFamily="2" charset="0"/>
-            </a:endParaRPr>
+              <a:t>5/1</a:t>
+            </a:r>
+            <a:r>
+              <a:rPr lang="id-ID" sz="2000" dirty="0">
+                <a:latin typeface="Poppins" panose="00000500000000000000" pitchFamily="2" charset="0"/>
+                <a:cs typeface="Poppins" panose="00000500000000000000" pitchFamily="2" charset="0"/>
+              </a:rPr>
+              <a:t>2</a:t>
+            </a:r>
           </a:p>
         </p:txBody>
       </p:sp>
@@ -7599,7 +7439,7 @@
             <p:ph idx="1"/>
             <p:extLst>
               <p:ext uri="{D42A27DB-BD31-4B8C-83A1-F6EECF244321}">
-                <p14:modId xmlns:p14="http://schemas.microsoft.com/office/powerpoint/2010/main" val="2411971759"/>
+                <p14:modId xmlns:p14="http://schemas.microsoft.com/office/powerpoint/2010/main" val="3789806752"/>
               </p:ext>
             </p:extLst>
           </p:nvPr>
@@ -7877,7 +7717,7 @@
                           <a:ea typeface="+mn-ea"/>
                           <a:cs typeface="+mn-cs"/>
                         </a:rPr>
-                        <a:t>konsep dari soal tersebut  dapat diimplementasikan sehingga dapat digunakan dalam </a:t>
+                        <a:t>konsep dari soal dapat diimplementasikan sehingga dapat digunakan dalam </a:t>
                       </a:r>
                       <a:r>
                         <a:rPr lang="id-ID" sz="1500" i="1" kern="1200" dirty="0">
@@ -8065,7 +7905,7 @@
                           <a:ea typeface="+mn-ea"/>
                           <a:cs typeface="+mn-cs"/>
                         </a:rPr>
-                        <a:t>perekapan didapatkan dari kebenaran dari jawaban yang dipilih serta jawaban berbentuk </a:t>
+                        <a:t>Jawaban tidak terbatas hanya 1-6, jawaban dapat berbentuk </a:t>
                       </a:r>
                       <a:r>
                         <a:rPr lang="id-ID" sz="1500" i="1" kern="1200" dirty="0">
@@ -8618,7 +8458,7 @@
           <a:p>
             <a:fld id="{FF9B3278-58B9-412E-8B7A-0AA13B10CA6A}" type="datetime1">
               <a:rPr lang="id-ID" smtClean="0"/>
-              <a:t>24/07/2020</a:t>
+              <a:t>30/07/2020</a:t>
             </a:fld>
             <a:endParaRPr lang="id-ID"/>
           </a:p>
@@ -8653,7 +8493,7 @@
             </a:fld>
             <a:r>
               <a:rPr lang="id-ID" dirty="0"/>
-              <a:t>/13</a:t>
+              <a:t>/12</a:t>
             </a:r>
           </a:p>
         </p:txBody>
@@ -8764,7 +8604,7 @@
         </p:spPr>
         <p:txBody>
           <a:bodyPr>
-            <a:normAutofit lnSpcReduction="10000"/>
+            <a:normAutofit/>
           </a:bodyPr>
           <a:lstStyle/>
           <a:p>
@@ -8779,63 +8619,7 @@
                 <a:latin typeface="Poppins" panose="00000500000000000000" pitchFamily="2" charset="0"/>
                 <a:cs typeface="Poppins" panose="00000500000000000000" pitchFamily="2" charset="0"/>
               </a:rPr>
-              <a:t>Pada </a:t>
-            </a:r>
-            <a:r>
-              <a:rPr lang="en-US" sz="2400" dirty="0" err="1">
-                <a:latin typeface="Poppins" panose="00000500000000000000" pitchFamily="2" charset="0"/>
-                <a:cs typeface="Poppins" panose="00000500000000000000" pitchFamily="2" charset="0"/>
-              </a:rPr>
-              <a:t>penelitian</a:t>
-            </a:r>
-            <a:r>
-              <a:rPr lang="en-US" sz="2400" dirty="0">
-                <a:latin typeface="Poppins" panose="00000500000000000000" pitchFamily="2" charset="0"/>
-                <a:cs typeface="Poppins" panose="00000500000000000000" pitchFamily="2" charset="0"/>
-              </a:rPr>
-              <a:t> </a:t>
-            </a:r>
-            <a:r>
-              <a:rPr lang="en-US" sz="2400" dirty="0" err="1">
-                <a:latin typeface="Poppins" panose="00000500000000000000" pitchFamily="2" charset="0"/>
-                <a:cs typeface="Poppins" panose="00000500000000000000" pitchFamily="2" charset="0"/>
-              </a:rPr>
-              <a:t>ini</a:t>
-            </a:r>
-            <a:r>
-              <a:rPr lang="en-US" sz="2400" dirty="0">
-                <a:latin typeface="Poppins" panose="00000500000000000000" pitchFamily="2" charset="0"/>
-                <a:cs typeface="Poppins" panose="00000500000000000000" pitchFamily="2" charset="0"/>
-              </a:rPr>
-              <a:t> </a:t>
-            </a:r>
-            <a:r>
-              <a:rPr lang="en-US" sz="2400" dirty="0" err="1">
-                <a:latin typeface="Poppins" panose="00000500000000000000" pitchFamily="2" charset="0"/>
-                <a:cs typeface="Poppins" panose="00000500000000000000" pitchFamily="2" charset="0"/>
-              </a:rPr>
-              <a:t>menggunakan</a:t>
-            </a:r>
-            <a:r>
-              <a:rPr lang="en-US" sz="2400" dirty="0">
-                <a:latin typeface="Poppins" panose="00000500000000000000" pitchFamily="2" charset="0"/>
-                <a:cs typeface="Poppins" panose="00000500000000000000" pitchFamily="2" charset="0"/>
-              </a:rPr>
-              <a:t> </a:t>
-            </a:r>
-            <a:r>
-              <a:rPr lang="en-US" sz="2400" dirty="0" err="1">
-                <a:latin typeface="Poppins" panose="00000500000000000000" pitchFamily="2" charset="0"/>
-                <a:cs typeface="Poppins" panose="00000500000000000000" pitchFamily="2" charset="0"/>
-              </a:rPr>
-              <a:t>metodelogi</a:t>
-            </a:r>
-            <a:r>
-              <a:rPr lang="en-US" sz="2400" dirty="0">
-                <a:latin typeface="Poppins" panose="00000500000000000000" pitchFamily="2" charset="0"/>
-                <a:cs typeface="Poppins" panose="00000500000000000000" pitchFamily="2" charset="0"/>
-              </a:rPr>
-              <a:t> Rational Unified Process (RUP), Rational Unified Process (RUP) </a:t>
+              <a:t>Rational Unified Process (RUP) </a:t>
             </a:r>
             <a:r>
               <a:rPr lang="en-US" sz="2400" dirty="0" err="1">
@@ -9408,12 +9192,15 @@
                 <a:latin typeface="Poppins" panose="00000500000000000000" pitchFamily="2" charset="0"/>
                 <a:cs typeface="Poppins" panose="00000500000000000000" pitchFamily="2" charset="0"/>
               </a:rPr>
-              <a:t>/13</a:t>
-            </a:r>
-            <a:endParaRPr lang="id-ID" sz="2000" dirty="0">
-              <a:latin typeface="Poppins" panose="00000500000000000000" pitchFamily="2" charset="0"/>
-              <a:cs typeface="Poppins" panose="00000500000000000000" pitchFamily="2" charset="0"/>
-            </a:endParaRPr>
+              <a:t>/1</a:t>
+            </a:r>
+            <a:r>
+              <a:rPr lang="id-ID" sz="2000" dirty="0">
+                <a:latin typeface="Poppins" panose="00000500000000000000" pitchFamily="2" charset="0"/>
+                <a:cs typeface="Poppins" panose="00000500000000000000" pitchFamily="2" charset="0"/>
+              </a:rPr>
+              <a:t>2</a:t>
+            </a:r>
           </a:p>
         </p:txBody>
       </p:sp>
@@ -9504,523 +9291,6 @@
         </p:nvSpPr>
         <p:spPr>
           <a:xfrm>
-            <a:off x="258654" y="2593169"/>
-            <a:ext cx="10515600" cy="1325563"/>
-          </a:xfrm>
-        </p:spPr>
-        <p:txBody>
-          <a:bodyPr/>
-          <a:lstStyle/>
-          <a:p>
-            <a:r>
-              <a:rPr lang="en-US" dirty="0" err="1">
-                <a:latin typeface="Poppins" panose="00000500000000000000" pitchFamily="2" charset="0"/>
-                <a:cs typeface="Poppins" panose="00000500000000000000" pitchFamily="2" charset="0"/>
-              </a:rPr>
-              <a:t>Kerangka</a:t>
-            </a:r>
-            <a:r>
-              <a:rPr lang="en-US" dirty="0">
-                <a:latin typeface="Poppins" panose="00000500000000000000" pitchFamily="2" charset="0"/>
-                <a:cs typeface="Poppins" panose="00000500000000000000" pitchFamily="2" charset="0"/>
-              </a:rPr>
-              <a:t> </a:t>
-            </a:r>
-            <a:r>
-              <a:rPr lang="en-US" dirty="0" err="1">
-                <a:latin typeface="Poppins" panose="00000500000000000000" pitchFamily="2" charset="0"/>
-                <a:cs typeface="Poppins" panose="00000500000000000000" pitchFamily="2" charset="0"/>
-              </a:rPr>
-              <a:t>Penelitian</a:t>
-            </a:r>
-            <a:endParaRPr lang="en-US" dirty="0">
-              <a:latin typeface="Poppins" panose="00000500000000000000" pitchFamily="2" charset="0"/>
-              <a:cs typeface="Poppins" panose="00000500000000000000" pitchFamily="2" charset="0"/>
-            </a:endParaRPr>
-          </a:p>
-        </p:txBody>
-      </p:sp>
-      <p:sp>
-        <p:nvSpPr>
-          <p:cNvPr id="4" name="Rectangle 2">
-            <a:extLst>
-              <a:ext uri="{FF2B5EF4-FFF2-40B4-BE49-F238E27FC236}">
-                <a16:creationId xmlns:a16="http://schemas.microsoft.com/office/drawing/2014/main" id="{2B06C903-AE23-4DC6-9E73-6196EEB8E606}"/>
-              </a:ext>
-            </a:extLst>
-          </p:cNvPr>
-          <p:cNvSpPr>
-            <a:spLocks noChangeArrowheads="1"/>
-          </p:cNvSpPr>
-          <p:nvPr/>
-        </p:nvSpPr>
-        <p:spPr bwMode="auto">
-          <a:xfrm>
-            <a:off x="4172755" y="1313645"/>
-            <a:ext cx="12192000" cy="0"/>
-          </a:xfrm>
-          <a:prstGeom prst="rect">
-            <a:avLst/>
-          </a:prstGeom>
-          <a:noFill/>
-          <a:ln>
-            <a:noFill/>
-          </a:ln>
-          <a:effectLst/>
-          <a:extLst>
-            <a:ext uri="{909E8E84-426E-40DD-AFC4-6F175D3DCCD1}">
-              <a14:hiddenFill xmlns:a14="http://schemas.microsoft.com/office/drawing/2010/main">
-                <a:solidFill>
-                  <a:schemeClr val="accent1"/>
-                </a:solidFill>
-              </a14:hiddenFill>
-            </a:ext>
-            <a:ext uri="{91240B29-F687-4F45-9708-019B960494DF}">
-              <a14:hiddenLine xmlns:a14="http://schemas.microsoft.com/office/drawing/2010/main" w="9525">
-                <a:solidFill>
-                  <a:schemeClr val="tx1"/>
-                </a:solidFill>
-                <a:miter lim="800000"/>
-                <a:headEnd/>
-                <a:tailEnd/>
-              </a14:hiddenLine>
-            </a:ext>
-            <a:ext uri="{AF507438-7753-43E0-B8FC-AC1667EBCBE1}">
-              <a14:hiddenEffects xmlns:a14="http://schemas.microsoft.com/office/drawing/2010/main">
-                <a:effectLst>
-                  <a:outerShdw dist="35921" dir="2700000" algn="ctr" rotWithShape="0">
-                    <a:schemeClr val="bg2"/>
-                  </a:outerShdw>
-                </a:effectLst>
-              </a14:hiddenEffects>
-            </a:ext>
-          </a:extLst>
-        </p:spPr>
-        <p:txBody>
-          <a:bodyPr vert="horz" wrap="none" lIns="91440" tIns="45720" rIns="91440" bIns="45720" numCol="1" anchor="ctr" anchorCtr="0" compatLnSpc="1">
-            <a:prstTxWarp prst="textNoShape">
-              <a:avLst/>
-            </a:prstTxWarp>
-            <a:spAutoFit/>
-          </a:bodyPr>
-          <a:lstStyle/>
-          <a:p>
-            <a:endParaRPr lang="en-US"/>
-          </a:p>
-        </p:txBody>
-      </p:sp>
-      <p:sp>
-        <p:nvSpPr>
-          <p:cNvPr id="3" name="Subtitle 2">
-            <a:extLst>
-              <a:ext uri="{FF2B5EF4-FFF2-40B4-BE49-F238E27FC236}">
-                <a16:creationId xmlns:a16="http://schemas.microsoft.com/office/drawing/2014/main" id="{F37B05BF-DAAA-4EB4-860B-A83CB57A2DA3}"/>
-              </a:ext>
-            </a:extLst>
-          </p:cNvPr>
-          <p:cNvSpPr txBox="1">
-            <a:spLocks/>
-          </p:cNvSpPr>
-          <p:nvPr/>
-        </p:nvSpPr>
-        <p:spPr>
-          <a:xfrm>
-            <a:off x="-163761" y="6443282"/>
-            <a:ext cx="1374378" cy="461962"/>
-          </a:xfrm>
-          <a:prstGeom prst="rect">
-            <a:avLst/>
-          </a:prstGeom>
-        </p:spPr>
-        <p:txBody>
-          <a:bodyPr vert="horz" lIns="91440" tIns="45720" rIns="91440" bIns="45720" rtlCol="0">
-            <a:normAutofit/>
-          </a:bodyPr>
-          <a:lstStyle>
-            <a:lvl1pPr marL="0" indent="0" algn="ctr" defTabSz="914400" rtl="0" eaLnBrk="1" latinLnBrk="0" hangingPunct="1">
-              <a:lnSpc>
-                <a:spcPct val="90000"/>
-              </a:lnSpc>
-              <a:spcBef>
-                <a:spcPts val="1000"/>
-              </a:spcBef>
-              <a:buFont typeface="Arial" panose="020B0604020202020204" pitchFamily="34" charset="0"/>
-              <a:buNone/>
-              <a:defRPr sz="2400" kern="1200">
-                <a:solidFill>
-                  <a:schemeClr val="tx1"/>
-                </a:solidFill>
-                <a:latin typeface="+mn-lt"/>
-                <a:ea typeface="+mn-ea"/>
-                <a:cs typeface="+mn-cs"/>
-              </a:defRPr>
-            </a:lvl1pPr>
-            <a:lvl2pPr marL="457200" indent="0" algn="ctr" defTabSz="914400" rtl="0" eaLnBrk="1" latinLnBrk="0" hangingPunct="1">
-              <a:lnSpc>
-                <a:spcPct val="90000"/>
-              </a:lnSpc>
-              <a:spcBef>
-                <a:spcPts val="500"/>
-              </a:spcBef>
-              <a:buFont typeface="Arial" panose="020B0604020202020204" pitchFamily="34" charset="0"/>
-              <a:buNone/>
-              <a:defRPr sz="2000" kern="1200">
-                <a:solidFill>
-                  <a:schemeClr val="tx1"/>
-                </a:solidFill>
-                <a:latin typeface="+mn-lt"/>
-                <a:ea typeface="+mn-ea"/>
-                <a:cs typeface="+mn-cs"/>
-              </a:defRPr>
-            </a:lvl2pPr>
-            <a:lvl3pPr marL="914400" indent="0" algn="ctr" defTabSz="914400" rtl="0" eaLnBrk="1" latinLnBrk="0" hangingPunct="1">
-              <a:lnSpc>
-                <a:spcPct val="90000"/>
-              </a:lnSpc>
-              <a:spcBef>
-                <a:spcPts val="500"/>
-              </a:spcBef>
-              <a:buFont typeface="Arial" panose="020B0604020202020204" pitchFamily="34" charset="0"/>
-              <a:buNone/>
-              <a:defRPr sz="1800" kern="1200">
-                <a:solidFill>
-                  <a:schemeClr val="tx1"/>
-                </a:solidFill>
-                <a:latin typeface="+mn-lt"/>
-                <a:ea typeface="+mn-ea"/>
-                <a:cs typeface="+mn-cs"/>
-              </a:defRPr>
-            </a:lvl3pPr>
-            <a:lvl4pPr marL="1371600" indent="0" algn="ctr" defTabSz="914400" rtl="0" eaLnBrk="1" latinLnBrk="0" hangingPunct="1">
-              <a:lnSpc>
-                <a:spcPct val="90000"/>
-              </a:lnSpc>
-              <a:spcBef>
-                <a:spcPts val="500"/>
-              </a:spcBef>
-              <a:buFont typeface="Arial" panose="020B0604020202020204" pitchFamily="34" charset="0"/>
-              <a:buNone/>
-              <a:defRPr sz="1600" kern="1200">
-                <a:solidFill>
-                  <a:schemeClr val="tx1"/>
-                </a:solidFill>
-                <a:latin typeface="+mn-lt"/>
-                <a:ea typeface="+mn-ea"/>
-                <a:cs typeface="+mn-cs"/>
-              </a:defRPr>
-            </a:lvl4pPr>
-            <a:lvl5pPr marL="1828800" indent="0" algn="ctr" defTabSz="914400" rtl="0" eaLnBrk="1" latinLnBrk="0" hangingPunct="1">
-              <a:lnSpc>
-                <a:spcPct val="90000"/>
-              </a:lnSpc>
-              <a:spcBef>
-                <a:spcPts val="500"/>
-              </a:spcBef>
-              <a:buFont typeface="Arial" panose="020B0604020202020204" pitchFamily="34" charset="0"/>
-              <a:buNone/>
-              <a:defRPr sz="1600" kern="1200">
-                <a:solidFill>
-                  <a:schemeClr val="tx1"/>
-                </a:solidFill>
-                <a:latin typeface="+mn-lt"/>
-                <a:ea typeface="+mn-ea"/>
-                <a:cs typeface="+mn-cs"/>
-              </a:defRPr>
-            </a:lvl5pPr>
-            <a:lvl6pPr marL="2286000" indent="0" algn="ctr" defTabSz="914400" rtl="0" eaLnBrk="1" latinLnBrk="0" hangingPunct="1">
-              <a:lnSpc>
-                <a:spcPct val="90000"/>
-              </a:lnSpc>
-              <a:spcBef>
-                <a:spcPts val="500"/>
-              </a:spcBef>
-              <a:buFont typeface="Arial" panose="020B0604020202020204" pitchFamily="34" charset="0"/>
-              <a:buNone/>
-              <a:defRPr sz="1600" kern="1200">
-                <a:solidFill>
-                  <a:schemeClr val="tx1"/>
-                </a:solidFill>
-                <a:latin typeface="+mn-lt"/>
-                <a:ea typeface="+mn-ea"/>
-                <a:cs typeface="+mn-cs"/>
-              </a:defRPr>
-            </a:lvl6pPr>
-            <a:lvl7pPr marL="2743200" indent="0" algn="ctr" defTabSz="914400" rtl="0" eaLnBrk="1" latinLnBrk="0" hangingPunct="1">
-              <a:lnSpc>
-                <a:spcPct val="90000"/>
-              </a:lnSpc>
-              <a:spcBef>
-                <a:spcPts val="500"/>
-              </a:spcBef>
-              <a:buFont typeface="Arial" panose="020B0604020202020204" pitchFamily="34" charset="0"/>
-              <a:buNone/>
-              <a:defRPr sz="1600" kern="1200">
-                <a:solidFill>
-                  <a:schemeClr val="tx1"/>
-                </a:solidFill>
-                <a:latin typeface="+mn-lt"/>
-                <a:ea typeface="+mn-ea"/>
-                <a:cs typeface="+mn-cs"/>
-              </a:defRPr>
-            </a:lvl7pPr>
-            <a:lvl8pPr marL="3200400" indent="0" algn="ctr" defTabSz="914400" rtl="0" eaLnBrk="1" latinLnBrk="0" hangingPunct="1">
-              <a:lnSpc>
-                <a:spcPct val="90000"/>
-              </a:lnSpc>
-              <a:spcBef>
-                <a:spcPts val="500"/>
-              </a:spcBef>
-              <a:buFont typeface="Arial" panose="020B0604020202020204" pitchFamily="34" charset="0"/>
-              <a:buNone/>
-              <a:defRPr sz="1600" kern="1200">
-                <a:solidFill>
-                  <a:schemeClr val="tx1"/>
-                </a:solidFill>
-                <a:latin typeface="+mn-lt"/>
-                <a:ea typeface="+mn-ea"/>
-                <a:cs typeface="+mn-cs"/>
-              </a:defRPr>
-            </a:lvl8pPr>
-            <a:lvl9pPr marL="3657600" indent="0" algn="ctr" defTabSz="914400" rtl="0" eaLnBrk="1" latinLnBrk="0" hangingPunct="1">
-              <a:lnSpc>
-                <a:spcPct val="90000"/>
-              </a:lnSpc>
-              <a:spcBef>
-                <a:spcPts val="500"/>
-              </a:spcBef>
-              <a:buFont typeface="Arial" panose="020B0604020202020204" pitchFamily="34" charset="0"/>
-              <a:buNone/>
-              <a:defRPr sz="1600" kern="1200">
-                <a:solidFill>
-                  <a:schemeClr val="tx1"/>
-                </a:solidFill>
-                <a:latin typeface="+mn-lt"/>
-                <a:ea typeface="+mn-ea"/>
-                <a:cs typeface="+mn-cs"/>
-              </a:defRPr>
-            </a:lvl9pPr>
-          </a:lstStyle>
-          <a:p>
-            <a:r>
-              <a:rPr lang="id-ID" sz="2000" dirty="0">
-                <a:latin typeface="Poppins" panose="00000500000000000000" pitchFamily="2" charset="0"/>
-                <a:cs typeface="Poppins" panose="00000500000000000000" pitchFamily="2" charset="0"/>
-              </a:rPr>
-              <a:t>8</a:t>
-            </a:r>
-            <a:r>
-              <a:rPr lang="en-US" sz="2000" dirty="0">
-                <a:latin typeface="Poppins" panose="00000500000000000000" pitchFamily="2" charset="0"/>
-                <a:cs typeface="Poppins" panose="00000500000000000000" pitchFamily="2" charset="0"/>
-              </a:rPr>
-              <a:t>/13</a:t>
-            </a:r>
-            <a:endParaRPr lang="id-ID" sz="2000" dirty="0">
-              <a:latin typeface="Poppins" panose="00000500000000000000" pitchFamily="2" charset="0"/>
-              <a:cs typeface="Poppins" panose="00000500000000000000" pitchFamily="2" charset="0"/>
-            </a:endParaRPr>
-          </a:p>
-        </p:txBody>
-      </p:sp>
-      <p:sp>
-        <p:nvSpPr>
-          <p:cNvPr id="6" name="Rectangle 17">
-            <a:extLst>
-              <a:ext uri="{FF2B5EF4-FFF2-40B4-BE49-F238E27FC236}">
-                <a16:creationId xmlns:a16="http://schemas.microsoft.com/office/drawing/2014/main" id="{7F2BD5E2-2BBD-422A-9635-044FA63C3A55}"/>
-              </a:ext>
-            </a:extLst>
-          </p:cNvPr>
-          <p:cNvSpPr>
-            <a:spLocks noChangeArrowheads="1"/>
-          </p:cNvSpPr>
-          <p:nvPr/>
-        </p:nvSpPr>
-        <p:spPr bwMode="auto">
-          <a:xfrm>
-            <a:off x="6619741" y="-81343"/>
-            <a:ext cx="12192000" cy="0"/>
-          </a:xfrm>
-          <a:prstGeom prst="rect">
-            <a:avLst/>
-          </a:prstGeom>
-          <a:noFill/>
-          <a:ln>
-            <a:noFill/>
-          </a:ln>
-          <a:effectLst/>
-          <a:extLst>
-            <a:ext uri="{909E8E84-426E-40DD-AFC4-6F175D3DCCD1}">
-              <a14:hiddenFill xmlns:a14="http://schemas.microsoft.com/office/drawing/2010/main">
-                <a:solidFill>
-                  <a:schemeClr val="accent1"/>
-                </a:solidFill>
-              </a14:hiddenFill>
-            </a:ext>
-            <a:ext uri="{91240B29-F687-4F45-9708-019B960494DF}">
-              <a14:hiddenLine xmlns:a14="http://schemas.microsoft.com/office/drawing/2010/main" w="9525">
-                <a:solidFill>
-                  <a:schemeClr val="tx1"/>
-                </a:solidFill>
-                <a:miter lim="800000"/>
-                <a:headEnd/>
-                <a:tailEnd/>
-              </a14:hiddenLine>
-            </a:ext>
-            <a:ext uri="{AF507438-7753-43E0-B8FC-AC1667EBCBE1}">
-              <a14:hiddenEffects xmlns:a14="http://schemas.microsoft.com/office/drawing/2010/main">
-                <a:effectLst>
-                  <a:outerShdw dist="35921" dir="2700000" algn="ctr" rotWithShape="0">
-                    <a:schemeClr val="bg2"/>
-                  </a:outerShdw>
-                </a:effectLst>
-              </a14:hiddenEffects>
-            </a:ext>
-          </a:extLst>
-        </p:spPr>
-        <p:txBody>
-          <a:bodyPr vert="horz" wrap="none" lIns="91440" tIns="45720" rIns="91440" bIns="45720" numCol="1" anchor="ctr" anchorCtr="0" compatLnSpc="1">
-            <a:prstTxWarp prst="textNoShape">
-              <a:avLst/>
-            </a:prstTxWarp>
-            <a:spAutoFit/>
-          </a:bodyPr>
-          <a:lstStyle/>
-          <a:p>
-            <a:endParaRPr lang="id-ID"/>
-          </a:p>
-        </p:txBody>
-      </p:sp>
-      <p:graphicFrame>
-        <p:nvGraphicFramePr>
-          <p:cNvPr id="7" name="Object 6">
-            <a:extLst>
-              <a:ext uri="{FF2B5EF4-FFF2-40B4-BE49-F238E27FC236}">
-                <a16:creationId xmlns:a16="http://schemas.microsoft.com/office/drawing/2014/main" id="{DC48019D-9F1A-47BD-A2B6-7D597113DD56}"/>
-              </a:ext>
-            </a:extLst>
-          </p:cNvPr>
-          <p:cNvGraphicFramePr>
-            <a:graphicFrameLocks noChangeAspect="1"/>
-          </p:cNvGraphicFramePr>
-          <p:nvPr>
-            <p:extLst>
-              <p:ext uri="{D42A27DB-BD31-4B8C-83A1-F6EECF244321}">
-                <p14:modId xmlns:p14="http://schemas.microsoft.com/office/powerpoint/2010/main" val="2472024239"/>
-              </p:ext>
-            </p:extLst>
-          </p:nvPr>
-        </p:nvGraphicFramePr>
-        <p:xfrm>
-          <a:off x="5512160" y="-81343"/>
-          <a:ext cx="5038725" cy="6524625"/>
-        </p:xfrm>
-        <a:graphic>
-          <a:graphicData uri="http://schemas.openxmlformats.org/presentationml/2006/ole">
-            <mc:AlternateContent xmlns:mc="http://schemas.openxmlformats.org/markup-compatibility/2006">
-              <mc:Choice xmlns:v="urn:schemas-microsoft-com:vml" Requires="v">
-                <p:oleObj spid="_x0000_s1050" name="Visio" r:id="rId3" imgW="7162870" imgH="9286941" progId="Visio.Drawing.15">
-                  <p:embed/>
-                </p:oleObj>
-              </mc:Choice>
-              <mc:Fallback>
-                <p:oleObj name="Visio" r:id="rId3" imgW="7162870" imgH="9286941" progId="Visio.Drawing.15">
-                  <p:embed/>
-                  <p:pic>
-                    <p:nvPicPr>
-                      <p:cNvPr id="0" name="Object 16"/>
-                      <p:cNvPicPr>
-                        <a:picLocks noChangeAspect="1" noChangeArrowheads="1"/>
-                      </p:cNvPicPr>
-                      <p:nvPr/>
-                    </p:nvPicPr>
-                    <p:blipFill>
-                      <a:blip r:embed="rId4">
-                        <a:extLst>
-                          <a:ext uri="{28A0092B-C50C-407E-A947-70E740481C1C}">
-                            <a14:useLocalDpi xmlns:a14="http://schemas.microsoft.com/office/drawing/2010/main" val="0"/>
-                          </a:ext>
-                        </a:extLst>
-                      </a:blip>
-                      <a:srcRect/>
-                      <a:stretch>
-                        <a:fillRect/>
-                      </a:stretch>
-                    </p:blipFill>
-                    <p:spPr bwMode="auto">
-                      <a:xfrm>
-                        <a:off x="5512160" y="-81343"/>
-                        <a:ext cx="5038725" cy="6524625"/>
-                      </a:xfrm>
-                      <a:prstGeom prst="rect">
-                        <a:avLst/>
-                      </a:prstGeom>
-                      <a:noFill/>
-                      <a:extLst>
-                        <a:ext uri="{909E8E84-426E-40DD-AFC4-6F175D3DCCD1}">
-                          <a14:hiddenFill xmlns:a14="http://schemas.microsoft.com/office/drawing/2010/main">
-                            <a:solidFill>
-                              <a:srgbClr val="FFFFFF"/>
-                            </a:solidFill>
-                          </a14:hiddenFill>
-                        </a:ext>
-                      </a:extLst>
-                    </p:spPr>
-                  </p:pic>
-                </p:oleObj>
-              </mc:Fallback>
-            </mc:AlternateContent>
-          </a:graphicData>
-        </a:graphic>
-      </p:graphicFrame>
-    </p:spTree>
-    <p:extLst>
-      <p:ext uri="{BB962C8B-B14F-4D97-AF65-F5344CB8AC3E}">
-        <p14:creationId xmlns:p14="http://schemas.microsoft.com/office/powerpoint/2010/main" val="877358671"/>
-      </p:ext>
-    </p:extLst>
-  </p:cSld>
-  <p:clrMapOvr>
-    <a:masterClrMapping/>
-  </p:clrMapOvr>
-</p:sld>
-</file>
-
-<file path=ppt/slides/slide9.xml><?xml version="1.0" encoding="utf-8"?>
-<p:sld xmlns:a="http://schemas.openxmlformats.org/drawingml/2006/main" xmlns:r="http://schemas.openxmlformats.org/officeDocument/2006/relationships" xmlns:p="http://schemas.openxmlformats.org/presentationml/2006/main">
-  <p:cSld>
-    <p:spTree>
-      <p:nvGrpSpPr>
-        <p:cNvPr id="1" name=""/>
-        <p:cNvGrpSpPr/>
-        <p:nvPr/>
-      </p:nvGrpSpPr>
-      <p:grpSpPr>
-        <a:xfrm>
-          <a:off x="0" y="0"/>
-          <a:ext cx="0" cy="0"/>
-          <a:chOff x="0" y="0"/>
-          <a:chExt cx="0" cy="0"/>
-        </a:xfrm>
-      </p:grpSpPr>
-      <p:sp>
-        <p:nvSpPr>
-          <p:cNvPr id="2" name="Title 1">
-            <a:extLst>
-              <a:ext uri="{FF2B5EF4-FFF2-40B4-BE49-F238E27FC236}">
-                <a16:creationId xmlns:a16="http://schemas.microsoft.com/office/drawing/2014/main" id="{FB1556D3-AFA1-4A7F-AB84-E9B8630E66C3}"/>
-              </a:ext>
-            </a:extLst>
-          </p:cNvPr>
-          <p:cNvSpPr>
-            <a:spLocks noGrp="1"/>
-          </p:cNvSpPr>
-          <p:nvPr>
-            <p:ph type="title"/>
-          </p:nvPr>
-        </p:nvSpPr>
-        <p:spPr>
-          <a:xfrm>
             <a:off x="665923" y="-130387"/>
             <a:ext cx="10515600" cy="1325563"/>
           </a:xfrm>
@@ -10205,7 +9475,7 @@
           <a:graphicData uri="http://schemas.openxmlformats.org/presentationml/2006/ole">
             <mc:AlternateContent xmlns:mc="http://schemas.openxmlformats.org/markup-compatibility/2006">
               <mc:Choice xmlns:v="urn:schemas-microsoft-com:vml" Requires="v">
-                <p:oleObj spid="_x0000_s2074" name="Visio" r:id="rId3" imgW="8429457" imgH="6029154" progId="Visio.Drawing.15">
+                <p:oleObj spid="_x0000_s2079" name="Visio" r:id="rId3" imgW="8429457" imgH="6029154" progId="Visio.Drawing.15">
                   <p:embed/>
                 </p:oleObj>
               </mc:Choice>
@@ -10447,19 +9717,22 @@
                 <a:latin typeface="Poppins" panose="00000500000000000000" pitchFamily="2" charset="0"/>
                 <a:cs typeface="Poppins" panose="00000500000000000000" pitchFamily="2" charset="0"/>
               </a:rPr>
-              <a:t>9</a:t>
+              <a:t>8</a:t>
             </a:r>
             <a:r>
               <a:rPr lang="en-US" sz="2000" dirty="0">
                 <a:latin typeface="Poppins" panose="00000500000000000000" pitchFamily="2" charset="0"/>
                 <a:cs typeface="Poppins" panose="00000500000000000000" pitchFamily="2" charset="0"/>
               </a:rPr>
-              <a:t>/13</a:t>
-            </a:r>
-            <a:endParaRPr lang="id-ID" sz="2000" dirty="0">
-              <a:latin typeface="Poppins" panose="00000500000000000000" pitchFamily="2" charset="0"/>
-              <a:cs typeface="Poppins" panose="00000500000000000000" pitchFamily="2" charset="0"/>
-            </a:endParaRPr>
+              <a:t>/</a:t>
+            </a:r>
+            <a:r>
+              <a:rPr lang="id-ID" sz="2000" dirty="0">
+                <a:latin typeface="Poppins" panose="00000500000000000000" pitchFamily="2" charset="0"/>
+                <a:cs typeface="Poppins" panose="00000500000000000000" pitchFamily="2" charset="0"/>
+              </a:rPr>
+              <a:t>12</a:t>
+            </a:r>
           </a:p>
         </p:txBody>
       </p:sp>
@@ -10467,6 +9740,326 @@
     <p:extLst>
       <p:ext uri="{BB962C8B-B14F-4D97-AF65-F5344CB8AC3E}">
         <p14:creationId xmlns:p14="http://schemas.microsoft.com/office/powerpoint/2010/main" val="895019559"/>
+      </p:ext>
+    </p:extLst>
+  </p:cSld>
+  <p:clrMapOvr>
+    <a:masterClrMapping/>
+  </p:clrMapOvr>
+</p:sld>
+</file>
+
+<file path=ppt/slides/slide9.xml><?xml version="1.0" encoding="utf-8"?>
+<p:sld xmlns:a="http://schemas.openxmlformats.org/drawingml/2006/main" xmlns:r="http://schemas.openxmlformats.org/officeDocument/2006/relationships" xmlns:p="http://schemas.openxmlformats.org/presentationml/2006/main">
+  <p:cSld>
+    <p:spTree>
+      <p:nvGrpSpPr>
+        <p:cNvPr id="1" name=""/>
+        <p:cNvGrpSpPr/>
+        <p:nvPr/>
+      </p:nvGrpSpPr>
+      <p:grpSpPr>
+        <a:xfrm>
+          <a:off x="0" y="0"/>
+          <a:ext cx="0" cy="0"/>
+          <a:chOff x="0" y="0"/>
+          <a:chExt cx="0" cy="0"/>
+        </a:xfrm>
+      </p:grpSpPr>
+      <p:sp>
+        <p:nvSpPr>
+          <p:cNvPr id="2" name="Title 1">
+            <a:extLst>
+              <a:ext uri="{FF2B5EF4-FFF2-40B4-BE49-F238E27FC236}">
+                <a16:creationId xmlns:a16="http://schemas.microsoft.com/office/drawing/2014/main" id="{FB1556D3-AFA1-4A7F-AB84-E9B8630E66C3}"/>
+              </a:ext>
+            </a:extLst>
+          </p:cNvPr>
+          <p:cNvSpPr>
+            <a:spLocks noGrp="1"/>
+          </p:cNvSpPr>
+          <p:nvPr>
+            <p:ph type="title"/>
+          </p:nvPr>
+        </p:nvSpPr>
+        <p:spPr/>
+        <p:txBody>
+          <a:bodyPr/>
+          <a:lstStyle/>
+          <a:p>
+            <a:r>
+              <a:rPr lang="id-ID" dirty="0">
+                <a:latin typeface="Poppins" panose="00000500000000000000" pitchFamily="2" charset="0"/>
+                <a:cs typeface="Poppins" panose="00000500000000000000" pitchFamily="2" charset="0"/>
+              </a:rPr>
+              <a:t>Perancangan </a:t>
+            </a:r>
+            <a:r>
+              <a:rPr lang="id-ID" i="1" dirty="0">
+                <a:latin typeface="Poppins" panose="00000500000000000000" pitchFamily="2" charset="0"/>
+                <a:cs typeface="Poppins" panose="00000500000000000000" pitchFamily="2" charset="0"/>
+              </a:rPr>
+              <a:t>Use Case Diagram</a:t>
+            </a:r>
+            <a:endParaRPr lang="en-US" i="1" dirty="0">
+              <a:latin typeface="Poppins" panose="00000500000000000000" pitchFamily="2" charset="0"/>
+              <a:cs typeface="Poppins" panose="00000500000000000000" pitchFamily="2" charset="0"/>
+            </a:endParaRPr>
+          </a:p>
+        </p:txBody>
+      </p:sp>
+      <p:pic>
+        <p:nvPicPr>
+          <p:cNvPr id="4" name="Content Placeholder 3">
+            <a:extLst>
+              <a:ext uri="{FF2B5EF4-FFF2-40B4-BE49-F238E27FC236}">
+                <a16:creationId xmlns:a16="http://schemas.microsoft.com/office/drawing/2014/main" id="{1DE21DBB-0ABD-484C-BE94-E4C121812FBE}"/>
+              </a:ext>
+            </a:extLst>
+          </p:cNvPr>
+          <p:cNvPicPr>
+            <a:picLocks noGrp="1" noChangeAspect="1"/>
+          </p:cNvPicPr>
+          <p:nvPr>
+            <p:ph idx="1"/>
+          </p:nvPr>
+        </p:nvPicPr>
+        <p:blipFill>
+          <a:blip r:embed="rId2"/>
+          <a:stretch>
+            <a:fillRect/>
+          </a:stretch>
+        </p:blipFill>
+        <p:spPr>
+          <a:xfrm>
+            <a:off x="2466975" y="1561306"/>
+            <a:ext cx="7258050" cy="3981450"/>
+          </a:xfrm>
+          <a:prstGeom prst="rect">
+            <a:avLst/>
+          </a:prstGeom>
+        </p:spPr>
+      </p:pic>
+      <p:sp>
+        <p:nvSpPr>
+          <p:cNvPr id="7" name="Subtitle 2">
+            <a:extLst>
+              <a:ext uri="{FF2B5EF4-FFF2-40B4-BE49-F238E27FC236}">
+                <a16:creationId xmlns:a16="http://schemas.microsoft.com/office/drawing/2014/main" id="{B881835D-039A-43DD-9F71-3C87C5FB9BD9}"/>
+              </a:ext>
+            </a:extLst>
+          </p:cNvPr>
+          <p:cNvSpPr txBox="1">
+            <a:spLocks/>
+          </p:cNvSpPr>
+          <p:nvPr/>
+        </p:nvSpPr>
+        <p:spPr>
+          <a:xfrm>
+            <a:off x="-163761" y="6443282"/>
+            <a:ext cx="1374378" cy="461962"/>
+          </a:xfrm>
+          <a:prstGeom prst="rect">
+            <a:avLst/>
+          </a:prstGeom>
+        </p:spPr>
+        <p:txBody>
+          <a:bodyPr vert="horz" lIns="91440" tIns="45720" rIns="91440" bIns="45720" rtlCol="0">
+            <a:normAutofit/>
+          </a:bodyPr>
+          <a:lstStyle>
+            <a:lvl1pPr marL="0" indent="0" algn="ctr" defTabSz="914400" rtl="0" eaLnBrk="1" latinLnBrk="0" hangingPunct="1">
+              <a:lnSpc>
+                <a:spcPct val="90000"/>
+              </a:lnSpc>
+              <a:spcBef>
+                <a:spcPts val="1000"/>
+              </a:spcBef>
+              <a:buFont typeface="Arial" panose="020B0604020202020204" pitchFamily="34" charset="0"/>
+              <a:buNone/>
+              <a:defRPr sz="2400" kern="1200">
+                <a:solidFill>
+                  <a:schemeClr val="tx1"/>
+                </a:solidFill>
+                <a:latin typeface="+mn-lt"/>
+                <a:ea typeface="+mn-ea"/>
+                <a:cs typeface="+mn-cs"/>
+              </a:defRPr>
+            </a:lvl1pPr>
+            <a:lvl2pPr marL="457200" indent="0" algn="ctr" defTabSz="914400" rtl="0" eaLnBrk="1" latinLnBrk="0" hangingPunct="1">
+              <a:lnSpc>
+                <a:spcPct val="90000"/>
+              </a:lnSpc>
+              <a:spcBef>
+                <a:spcPts val="500"/>
+              </a:spcBef>
+              <a:buFont typeface="Arial" panose="020B0604020202020204" pitchFamily="34" charset="0"/>
+              <a:buNone/>
+              <a:defRPr sz="2000" kern="1200">
+                <a:solidFill>
+                  <a:schemeClr val="tx1"/>
+                </a:solidFill>
+                <a:latin typeface="+mn-lt"/>
+                <a:ea typeface="+mn-ea"/>
+                <a:cs typeface="+mn-cs"/>
+              </a:defRPr>
+            </a:lvl2pPr>
+            <a:lvl3pPr marL="914400" indent="0" algn="ctr" defTabSz="914400" rtl="0" eaLnBrk="1" latinLnBrk="0" hangingPunct="1">
+              <a:lnSpc>
+                <a:spcPct val="90000"/>
+              </a:lnSpc>
+              <a:spcBef>
+                <a:spcPts val="500"/>
+              </a:spcBef>
+              <a:buFont typeface="Arial" panose="020B0604020202020204" pitchFamily="34" charset="0"/>
+              <a:buNone/>
+              <a:defRPr sz="1800" kern="1200">
+                <a:solidFill>
+                  <a:schemeClr val="tx1"/>
+                </a:solidFill>
+                <a:latin typeface="+mn-lt"/>
+                <a:ea typeface="+mn-ea"/>
+                <a:cs typeface="+mn-cs"/>
+              </a:defRPr>
+            </a:lvl3pPr>
+            <a:lvl4pPr marL="1371600" indent="0" algn="ctr" defTabSz="914400" rtl="0" eaLnBrk="1" latinLnBrk="0" hangingPunct="1">
+              <a:lnSpc>
+                <a:spcPct val="90000"/>
+              </a:lnSpc>
+              <a:spcBef>
+                <a:spcPts val="500"/>
+              </a:spcBef>
+              <a:buFont typeface="Arial" panose="020B0604020202020204" pitchFamily="34" charset="0"/>
+              <a:buNone/>
+              <a:defRPr sz="1600" kern="1200">
+                <a:solidFill>
+                  <a:schemeClr val="tx1"/>
+                </a:solidFill>
+                <a:latin typeface="+mn-lt"/>
+                <a:ea typeface="+mn-ea"/>
+                <a:cs typeface="+mn-cs"/>
+              </a:defRPr>
+            </a:lvl4pPr>
+            <a:lvl5pPr marL="1828800" indent="0" algn="ctr" defTabSz="914400" rtl="0" eaLnBrk="1" latinLnBrk="0" hangingPunct="1">
+              <a:lnSpc>
+                <a:spcPct val="90000"/>
+              </a:lnSpc>
+              <a:spcBef>
+                <a:spcPts val="500"/>
+              </a:spcBef>
+              <a:buFont typeface="Arial" panose="020B0604020202020204" pitchFamily="34" charset="0"/>
+              <a:buNone/>
+              <a:defRPr sz="1600" kern="1200">
+                <a:solidFill>
+                  <a:schemeClr val="tx1"/>
+                </a:solidFill>
+                <a:latin typeface="+mn-lt"/>
+                <a:ea typeface="+mn-ea"/>
+                <a:cs typeface="+mn-cs"/>
+              </a:defRPr>
+            </a:lvl5pPr>
+            <a:lvl6pPr marL="2286000" indent="0" algn="ctr" defTabSz="914400" rtl="0" eaLnBrk="1" latinLnBrk="0" hangingPunct="1">
+              <a:lnSpc>
+                <a:spcPct val="90000"/>
+              </a:lnSpc>
+              <a:spcBef>
+                <a:spcPts val="500"/>
+              </a:spcBef>
+              <a:buFont typeface="Arial" panose="020B0604020202020204" pitchFamily="34" charset="0"/>
+              <a:buNone/>
+              <a:defRPr sz="1600" kern="1200">
+                <a:solidFill>
+                  <a:schemeClr val="tx1"/>
+                </a:solidFill>
+                <a:latin typeface="+mn-lt"/>
+                <a:ea typeface="+mn-ea"/>
+                <a:cs typeface="+mn-cs"/>
+              </a:defRPr>
+            </a:lvl6pPr>
+            <a:lvl7pPr marL="2743200" indent="0" algn="ctr" defTabSz="914400" rtl="0" eaLnBrk="1" latinLnBrk="0" hangingPunct="1">
+              <a:lnSpc>
+                <a:spcPct val="90000"/>
+              </a:lnSpc>
+              <a:spcBef>
+                <a:spcPts val="500"/>
+              </a:spcBef>
+              <a:buFont typeface="Arial" panose="020B0604020202020204" pitchFamily="34" charset="0"/>
+              <a:buNone/>
+              <a:defRPr sz="1600" kern="1200">
+                <a:solidFill>
+                  <a:schemeClr val="tx1"/>
+                </a:solidFill>
+                <a:latin typeface="+mn-lt"/>
+                <a:ea typeface="+mn-ea"/>
+                <a:cs typeface="+mn-cs"/>
+              </a:defRPr>
+            </a:lvl7pPr>
+            <a:lvl8pPr marL="3200400" indent="0" algn="ctr" defTabSz="914400" rtl="0" eaLnBrk="1" latinLnBrk="0" hangingPunct="1">
+              <a:lnSpc>
+                <a:spcPct val="90000"/>
+              </a:lnSpc>
+              <a:spcBef>
+                <a:spcPts val="500"/>
+              </a:spcBef>
+              <a:buFont typeface="Arial" panose="020B0604020202020204" pitchFamily="34" charset="0"/>
+              <a:buNone/>
+              <a:defRPr sz="1600" kern="1200">
+                <a:solidFill>
+                  <a:schemeClr val="tx1"/>
+                </a:solidFill>
+                <a:latin typeface="+mn-lt"/>
+                <a:ea typeface="+mn-ea"/>
+                <a:cs typeface="+mn-cs"/>
+              </a:defRPr>
+            </a:lvl8pPr>
+            <a:lvl9pPr marL="3657600" indent="0" algn="ctr" defTabSz="914400" rtl="0" eaLnBrk="1" latinLnBrk="0" hangingPunct="1">
+              <a:lnSpc>
+                <a:spcPct val="90000"/>
+              </a:lnSpc>
+              <a:spcBef>
+                <a:spcPts val="500"/>
+              </a:spcBef>
+              <a:buFont typeface="Arial" panose="020B0604020202020204" pitchFamily="34" charset="0"/>
+              <a:buNone/>
+              <a:defRPr sz="1600" kern="1200">
+                <a:solidFill>
+                  <a:schemeClr val="tx1"/>
+                </a:solidFill>
+                <a:latin typeface="+mn-lt"/>
+                <a:ea typeface="+mn-ea"/>
+                <a:cs typeface="+mn-cs"/>
+              </a:defRPr>
+            </a:lvl9pPr>
+          </a:lstStyle>
+          <a:p>
+            <a:r>
+              <a:rPr lang="id-ID" sz="2000" dirty="0">
+                <a:latin typeface="Poppins" panose="00000500000000000000" pitchFamily="2" charset="0"/>
+                <a:cs typeface="Poppins" panose="00000500000000000000" pitchFamily="2" charset="0"/>
+              </a:rPr>
+              <a:t>9</a:t>
+            </a:r>
+            <a:r>
+              <a:rPr lang="en-US" sz="2000" dirty="0">
+                <a:latin typeface="Poppins" panose="00000500000000000000" pitchFamily="2" charset="0"/>
+                <a:cs typeface="Poppins" panose="00000500000000000000" pitchFamily="2" charset="0"/>
+              </a:rPr>
+              <a:t>/1</a:t>
+            </a:r>
+            <a:r>
+              <a:rPr lang="id-ID" sz="2000" dirty="0">
+                <a:latin typeface="Poppins" panose="00000500000000000000" pitchFamily="2" charset="0"/>
+                <a:cs typeface="Poppins" panose="00000500000000000000" pitchFamily="2" charset="0"/>
+              </a:rPr>
+              <a:t>2</a:t>
+            </a:r>
+          </a:p>
+        </p:txBody>
+      </p:sp>
+    </p:spTree>
+    <p:extLst>
+      <p:ext uri="{BB962C8B-B14F-4D97-AF65-F5344CB8AC3E}">
+        <p14:creationId xmlns:p14="http://schemas.microsoft.com/office/powerpoint/2010/main" val="3579809869"/>
       </p:ext>
     </p:extLst>
   </p:cSld>
